--- a/articles/201805/figure-11.pptx
+++ b/articles/201805/figure-11.pptx
@@ -6,6 +6,8 @@
   </p:sldMasterIdLst>
   <p:sldIdLst>
     <p:sldId id="256" r:id="rId2"/>
+    <p:sldId id="257" r:id="rId3"/>
+    <p:sldId id="258" r:id="rId4"/>
   </p:sldIdLst>
   <p:sldSz cx="9144000" cy="6858000" type="screen4x3"/>
   <p:notesSz cx="6858000" cy="9144000"/>
@@ -288,7 +290,7 @@
           <a:p>
             <a:fld id="{E2DD3E33-C67B-9242-980D-FF920B51B983}" type="datetimeFigureOut">
               <a:rPr kumimoji="1" lang="ja-JP" altLang="en-US" smtClean="0"/>
-              <a:t>18/06/17</a:t>
+              <a:t>18/06/30</a:t>
             </a:fld>
             <a:endParaRPr kumimoji="1" lang="ja-JP" altLang="en-US"/>
           </a:p>
@@ -490,7 +492,7 @@
           <a:p>
             <a:fld id="{E2DD3E33-C67B-9242-980D-FF920B51B983}" type="datetimeFigureOut">
               <a:rPr kumimoji="1" lang="ja-JP" altLang="en-US" smtClean="0"/>
-              <a:t>18/06/17</a:t>
+              <a:t>18/06/30</a:t>
             </a:fld>
             <a:endParaRPr kumimoji="1" lang="ja-JP" altLang="en-US"/>
           </a:p>
@@ -702,7 +704,7 @@
           <a:p>
             <a:fld id="{E2DD3E33-C67B-9242-980D-FF920B51B983}" type="datetimeFigureOut">
               <a:rPr kumimoji="1" lang="ja-JP" altLang="en-US" smtClean="0"/>
-              <a:t>18/06/17</a:t>
+              <a:t>18/06/30</a:t>
             </a:fld>
             <a:endParaRPr kumimoji="1" lang="ja-JP" altLang="en-US"/>
           </a:p>
@@ -904,7 +906,7 @@
           <a:p>
             <a:fld id="{E2DD3E33-C67B-9242-980D-FF920B51B983}" type="datetimeFigureOut">
               <a:rPr kumimoji="1" lang="ja-JP" altLang="en-US" smtClean="0"/>
-              <a:t>18/06/17</a:t>
+              <a:t>18/06/30</a:t>
             </a:fld>
             <a:endParaRPr kumimoji="1" lang="ja-JP" altLang="en-US"/>
           </a:p>
@@ -1150,7 +1152,7 @@
           <a:p>
             <a:fld id="{E2DD3E33-C67B-9242-980D-FF920B51B983}" type="datetimeFigureOut">
               <a:rPr kumimoji="1" lang="ja-JP" altLang="en-US" smtClean="0"/>
-              <a:t>18/06/17</a:t>
+              <a:t>18/06/30</a:t>
             </a:fld>
             <a:endParaRPr kumimoji="1" lang="ja-JP" altLang="en-US"/>
           </a:p>
@@ -1502,7 +1504,7 @@
           <a:p>
             <a:fld id="{E2DD3E33-C67B-9242-980D-FF920B51B983}" type="datetimeFigureOut">
               <a:rPr kumimoji="1" lang="ja-JP" altLang="en-US" smtClean="0"/>
-              <a:t>18/06/17</a:t>
+              <a:t>18/06/30</a:t>
             </a:fld>
             <a:endParaRPr kumimoji="1" lang="ja-JP" altLang="en-US"/>
           </a:p>
@@ -1988,7 +1990,7 @@
           <a:p>
             <a:fld id="{E2DD3E33-C67B-9242-980D-FF920B51B983}" type="datetimeFigureOut">
               <a:rPr kumimoji="1" lang="ja-JP" altLang="en-US" smtClean="0"/>
-              <a:t>18/06/17</a:t>
+              <a:t>18/06/30</a:t>
             </a:fld>
             <a:endParaRPr kumimoji="1" lang="ja-JP" altLang="en-US"/>
           </a:p>
@@ -2106,7 +2108,7 @@
           <a:p>
             <a:fld id="{E2DD3E33-C67B-9242-980D-FF920B51B983}" type="datetimeFigureOut">
               <a:rPr kumimoji="1" lang="ja-JP" altLang="en-US" smtClean="0"/>
-              <a:t>18/06/17</a:t>
+              <a:t>18/06/30</a:t>
             </a:fld>
             <a:endParaRPr kumimoji="1" lang="ja-JP" altLang="en-US"/>
           </a:p>
@@ -2201,7 +2203,7 @@
           <a:p>
             <a:fld id="{E2DD3E33-C67B-9242-980D-FF920B51B983}" type="datetimeFigureOut">
               <a:rPr kumimoji="1" lang="ja-JP" altLang="en-US" smtClean="0"/>
-              <a:t>18/06/17</a:t>
+              <a:t>18/06/30</a:t>
             </a:fld>
             <a:endParaRPr kumimoji="1" lang="ja-JP" altLang="en-US"/>
           </a:p>
@@ -2510,7 +2512,7 @@
           <a:p>
             <a:fld id="{E2DD3E33-C67B-9242-980D-FF920B51B983}" type="datetimeFigureOut">
               <a:rPr kumimoji="1" lang="ja-JP" altLang="en-US" smtClean="0"/>
-              <a:t>18/06/17</a:t>
+              <a:t>18/06/30</a:t>
             </a:fld>
             <a:endParaRPr kumimoji="1" lang="ja-JP" altLang="en-US"/>
           </a:p>
@@ -2763,7 +2765,7 @@
           <a:p>
             <a:fld id="{E2DD3E33-C67B-9242-980D-FF920B51B983}" type="datetimeFigureOut">
               <a:rPr kumimoji="1" lang="ja-JP" altLang="en-US" smtClean="0"/>
-              <a:t>18/06/17</a:t>
+              <a:t>18/06/30</a:t>
             </a:fld>
             <a:endParaRPr kumimoji="1" lang="ja-JP" altLang="en-US"/>
           </a:p>
@@ -3008,7 +3010,7 @@
           <a:p>
             <a:fld id="{E2DD3E33-C67B-9242-980D-FF920B51B983}" type="datetimeFigureOut">
               <a:rPr kumimoji="1" lang="ja-JP" altLang="en-US" smtClean="0"/>
-              <a:t>18/06/17</a:t>
+              <a:t>18/06/30</a:t>
             </a:fld>
             <a:endParaRPr kumimoji="1" lang="ja-JP" altLang="en-US"/>
           </a:p>
@@ -5605,6 +5607,1114 @@
     <p:extLst>
       <p:ext uri="{BB962C8B-B14F-4D97-AF65-F5344CB8AC3E}">
         <p14:creationId xmlns:p14="http://schemas.microsoft.com/office/powerpoint/2010/main" val="2375341938"/>
+      </p:ext>
+    </p:extLst>
+  </p:cSld>
+  <p:clrMapOvr>
+    <a:masterClrMapping/>
+  </p:clrMapOvr>
+</p:sld>
+</file>
+
+<file path=ppt/slides/slide2.xml><?xml version="1.0" encoding="utf-8"?>
+<p:sld xmlns:a="http://schemas.openxmlformats.org/drawingml/2006/main" xmlns:r="http://schemas.openxmlformats.org/officeDocument/2006/relationships" xmlns:p="http://schemas.openxmlformats.org/presentationml/2006/main">
+  <p:cSld>
+    <p:spTree>
+      <p:nvGrpSpPr>
+        <p:cNvPr id="1" name=""/>
+        <p:cNvGrpSpPr/>
+        <p:nvPr/>
+      </p:nvGrpSpPr>
+      <p:grpSpPr>
+        <a:xfrm>
+          <a:off x="0" y="0"/>
+          <a:ext cx="0" cy="0"/>
+          <a:chOff x="0" y="0"/>
+          <a:chExt cx="0" cy="0"/>
+        </a:xfrm>
+      </p:grpSpPr>
+      <p:pic>
+        <p:nvPicPr>
+          <p:cNvPr id="6" name="図 5" descr="ex-11.1.map.25.png"/>
+          <p:cNvPicPr>
+            <a:picLocks noChangeAspect="1"/>
+          </p:cNvPicPr>
+          <p:nvPr/>
+        </p:nvPicPr>
+        <p:blipFill>
+          <a:blip r:embed="rId2">
+            <a:extLst>
+              <a:ext uri="{28A0092B-C50C-407E-A947-70E740481C1C}">
+                <a14:useLocalDpi xmlns:a14="http://schemas.microsoft.com/office/drawing/2010/main" val="0"/>
+              </a:ext>
+            </a:extLst>
+          </a:blip>
+          <a:stretch>
+            <a:fillRect/>
+          </a:stretch>
+        </p:blipFill>
+        <p:spPr>
+          <a:xfrm>
+            <a:off x="847827" y="1316797"/>
+            <a:ext cx="3484204" cy="3484204"/>
+          </a:xfrm>
+          <a:prstGeom prst="rect">
+            <a:avLst/>
+          </a:prstGeom>
+        </p:spPr>
+      </p:pic>
+      <p:pic>
+        <p:nvPicPr>
+          <p:cNvPr id="7" name="図 6" descr="ex-11.6.map.25.png"/>
+          <p:cNvPicPr>
+            <a:picLocks noChangeAspect="1"/>
+          </p:cNvPicPr>
+          <p:nvPr/>
+        </p:nvPicPr>
+        <p:blipFill>
+          <a:blip r:embed="rId3">
+            <a:extLst>
+              <a:ext uri="{28A0092B-C50C-407E-A947-70E740481C1C}">
+                <a14:useLocalDpi xmlns:a14="http://schemas.microsoft.com/office/drawing/2010/main" val="0"/>
+              </a:ext>
+            </a:extLst>
+          </a:blip>
+          <a:stretch>
+            <a:fillRect/>
+          </a:stretch>
+        </p:blipFill>
+        <p:spPr>
+          <a:xfrm>
+            <a:off x="4656459" y="1316795"/>
+            <a:ext cx="3484206" cy="3484206"/>
+          </a:xfrm>
+          <a:prstGeom prst="rect">
+            <a:avLst/>
+          </a:prstGeom>
+        </p:spPr>
+      </p:pic>
+      <p:sp>
+        <p:nvSpPr>
+          <p:cNvPr id="8" name="テキスト ボックス 7"/>
+          <p:cNvSpPr txBox="1"/>
+          <p:nvPr/>
+        </p:nvSpPr>
+        <p:spPr>
+          <a:xfrm>
+            <a:off x="1802940" y="4974024"/>
+            <a:ext cx="1569660" cy="369332"/>
+          </a:xfrm>
+          <a:prstGeom prst="rect">
+            <a:avLst/>
+          </a:prstGeom>
+          <a:noFill/>
+        </p:spPr>
+        <p:txBody>
+          <a:bodyPr wrap="none" rtlCol="0">
+            <a:spAutoFit/>
+          </a:bodyPr>
+          <a:lstStyle/>
+          <a:p>
+            <a:r>
+              <a:rPr lang="en-US" altLang="en-US" dirty="0" smtClean="0"/>
+              <a:t>拡散反射の球</a:t>
+            </a:r>
+            <a:endParaRPr kumimoji="1" lang="ja-JP" altLang="en-US" dirty="0"/>
+          </a:p>
+        </p:txBody>
+      </p:sp>
+      <p:sp>
+        <p:nvSpPr>
+          <p:cNvPr id="9" name="テキスト ボックス 8"/>
+          <p:cNvSpPr txBox="1"/>
+          <p:nvPr/>
+        </p:nvSpPr>
+        <p:spPr>
+          <a:xfrm>
+            <a:off x="5766026" y="4974024"/>
+            <a:ext cx="1254069" cy="369332"/>
+          </a:xfrm>
+          <a:prstGeom prst="rect">
+            <a:avLst/>
+          </a:prstGeom>
+          <a:noFill/>
+        </p:spPr>
+        <p:txBody>
+          <a:bodyPr wrap="none" rtlCol="0">
+            <a:spAutoFit/>
+          </a:bodyPr>
+          <a:lstStyle/>
+          <a:p>
+            <a:pPr algn="ctr"/>
+            <a:r>
+              <a:rPr kumimoji="1" lang="ja-JP" altLang="en-US" dirty="0" smtClean="0"/>
+              <a:t>ガラスの球</a:t>
+            </a:r>
+            <a:endParaRPr kumimoji="1" lang="ja-JP" altLang="en-US" dirty="0"/>
+          </a:p>
+        </p:txBody>
+      </p:sp>
+      <p:sp>
+        <p:nvSpPr>
+          <p:cNvPr id="11" name="正方形/長方形 10"/>
+          <p:cNvSpPr/>
+          <p:nvPr/>
+        </p:nvSpPr>
+        <p:spPr>
+          <a:xfrm>
+            <a:off x="6792386" y="3637739"/>
+            <a:ext cx="983737" cy="266558"/>
+          </a:xfrm>
+          <a:prstGeom prst="rect">
+            <a:avLst/>
+          </a:prstGeom>
+          <a:solidFill>
+            <a:schemeClr val="bg1">
+              <a:alpha val="50000"/>
+            </a:schemeClr>
+          </a:solidFill>
+          <a:ln>
+            <a:noFill/>
+          </a:ln>
+        </p:spPr>
+        <p:style>
+          <a:lnRef idx="1">
+            <a:schemeClr val="accent1"/>
+          </a:lnRef>
+          <a:fillRef idx="3">
+            <a:schemeClr val="accent1"/>
+          </a:fillRef>
+          <a:effectRef idx="2">
+            <a:schemeClr val="accent1"/>
+          </a:effectRef>
+          <a:fontRef idx="minor">
+            <a:schemeClr val="lt1"/>
+          </a:fontRef>
+        </p:style>
+        <p:txBody>
+          <a:bodyPr rtlCol="0" anchor="ctr"/>
+          <a:lstStyle/>
+          <a:p>
+            <a:pPr algn="ctr"/>
+            <a:r>
+              <a:rPr kumimoji="1" lang="ja-JP" altLang="en-US" sz="1400" dirty="0" smtClean="0">
+                <a:solidFill>
+                  <a:srgbClr val="FF0000"/>
+                </a:solidFill>
+              </a:rPr>
+              <a:t>集光模様</a:t>
+            </a:r>
+            <a:endParaRPr kumimoji="1" lang="ja-JP" altLang="en-US" sz="1400" dirty="0">
+              <a:solidFill>
+                <a:srgbClr val="FF0000"/>
+              </a:solidFill>
+            </a:endParaRPr>
+          </a:p>
+        </p:txBody>
+      </p:sp>
+      <p:cxnSp>
+        <p:nvCxnSpPr>
+          <p:cNvPr id="13" name="直線矢印コネクタ 12"/>
+          <p:cNvCxnSpPr/>
+          <p:nvPr/>
+        </p:nvCxnSpPr>
+        <p:spPr>
+          <a:xfrm flipH="1">
+            <a:off x="6584621" y="3904297"/>
+            <a:ext cx="329230" cy="282239"/>
+          </a:xfrm>
+          <a:prstGeom prst="straightConnector1">
+            <a:avLst/>
+          </a:prstGeom>
+          <a:ln>
+            <a:tailEnd type="arrow"/>
+          </a:ln>
+        </p:spPr>
+        <p:style>
+          <a:lnRef idx="2">
+            <a:schemeClr val="accent1"/>
+          </a:lnRef>
+          <a:fillRef idx="0">
+            <a:schemeClr val="accent1"/>
+          </a:fillRef>
+          <a:effectRef idx="1">
+            <a:schemeClr val="accent1"/>
+          </a:effectRef>
+          <a:fontRef idx="minor">
+            <a:schemeClr val="tx1"/>
+          </a:fontRef>
+        </p:style>
+      </p:cxnSp>
+    </p:spTree>
+    <p:extLst>
+      <p:ext uri="{BB962C8B-B14F-4D97-AF65-F5344CB8AC3E}">
+        <p14:creationId xmlns:p14="http://schemas.microsoft.com/office/powerpoint/2010/main" val="369732350"/>
+      </p:ext>
+    </p:extLst>
+  </p:cSld>
+  <p:clrMapOvr>
+    <a:masterClrMapping/>
+  </p:clrMapOvr>
+</p:sld>
+</file>
+
+<file path=ppt/slides/slide3.xml><?xml version="1.0" encoding="utf-8"?>
+<p:sld xmlns:a="http://schemas.openxmlformats.org/drawingml/2006/main" xmlns:r="http://schemas.openxmlformats.org/officeDocument/2006/relationships" xmlns:p="http://schemas.openxmlformats.org/presentationml/2006/main">
+  <p:cSld>
+    <p:spTree>
+      <p:nvGrpSpPr>
+        <p:cNvPr id="1" name=""/>
+        <p:cNvGrpSpPr/>
+        <p:nvPr/>
+      </p:nvGrpSpPr>
+      <p:grpSpPr>
+        <a:xfrm>
+          <a:off x="0" y="0"/>
+          <a:ext cx="0" cy="0"/>
+          <a:chOff x="0" y="0"/>
+          <a:chExt cx="0" cy="0"/>
+        </a:xfrm>
+      </p:grpSpPr>
+      <p:sp>
+        <p:nvSpPr>
+          <p:cNvPr id="38" name="正方形/長方形 37"/>
+          <p:cNvSpPr/>
+          <p:nvPr/>
+        </p:nvSpPr>
+        <p:spPr>
+          <a:xfrm>
+            <a:off x="440267" y="1696868"/>
+            <a:ext cx="2679589" cy="1054799"/>
+          </a:xfrm>
+          <a:prstGeom prst="rect">
+            <a:avLst/>
+          </a:prstGeom>
+          <a:solidFill>
+            <a:schemeClr val="tx2">
+              <a:lumMod val="20000"/>
+              <a:lumOff val="80000"/>
+            </a:schemeClr>
+          </a:solidFill>
+          <a:ln>
+            <a:noFill/>
+          </a:ln>
+          <a:effectLst/>
+        </p:spPr>
+        <p:style>
+          <a:lnRef idx="1">
+            <a:schemeClr val="accent1"/>
+          </a:lnRef>
+          <a:fillRef idx="3">
+            <a:schemeClr val="accent1"/>
+          </a:fillRef>
+          <a:effectRef idx="2">
+            <a:schemeClr val="accent1"/>
+          </a:effectRef>
+          <a:fontRef idx="minor">
+            <a:schemeClr val="lt1"/>
+          </a:fontRef>
+        </p:style>
+        <p:txBody>
+          <a:bodyPr rtlCol="0" anchor="ctr"/>
+          <a:lstStyle/>
+          <a:p>
+            <a:pPr algn="ctr"/>
+            <a:endParaRPr kumimoji="1" lang="ja-JP" altLang="en-US"/>
+          </a:p>
+        </p:txBody>
+      </p:sp>
+      <p:cxnSp>
+        <p:nvCxnSpPr>
+          <p:cNvPr id="5" name="直線コネクタ 4"/>
+          <p:cNvCxnSpPr/>
+          <p:nvPr/>
+        </p:nvCxnSpPr>
+        <p:spPr>
+          <a:xfrm>
+            <a:off x="440267" y="1696868"/>
+            <a:ext cx="2679589" cy="0"/>
+          </a:xfrm>
+          <a:prstGeom prst="line">
+            <a:avLst/>
+          </a:prstGeom>
+          <a:ln>
+            <a:solidFill>
+              <a:schemeClr val="tx1"/>
+            </a:solidFill>
+            <a:headEnd type="none"/>
+            <a:tailEnd type="arrow"/>
+          </a:ln>
+          <a:effectLst/>
+        </p:spPr>
+        <p:style>
+          <a:lnRef idx="2">
+            <a:schemeClr val="accent1"/>
+          </a:lnRef>
+          <a:fillRef idx="0">
+            <a:schemeClr val="accent1"/>
+          </a:fillRef>
+          <a:effectRef idx="1">
+            <a:schemeClr val="accent1"/>
+          </a:effectRef>
+          <a:fontRef idx="minor">
+            <a:schemeClr val="tx1"/>
+          </a:fontRef>
+        </p:style>
+      </p:cxnSp>
+      <p:cxnSp>
+        <p:nvCxnSpPr>
+          <p:cNvPr id="7" name="直線コネクタ 6"/>
+          <p:cNvCxnSpPr/>
+          <p:nvPr/>
+        </p:nvCxnSpPr>
+        <p:spPr>
+          <a:xfrm flipV="1">
+            <a:off x="1913467" y="541167"/>
+            <a:ext cx="0" cy="2311401"/>
+          </a:xfrm>
+          <a:prstGeom prst="line">
+            <a:avLst/>
+          </a:prstGeom>
+          <a:ln>
+            <a:solidFill>
+              <a:schemeClr val="tx1"/>
+            </a:solidFill>
+            <a:headEnd type="none"/>
+            <a:tailEnd type="arrow"/>
+          </a:ln>
+          <a:effectLst/>
+        </p:spPr>
+        <p:style>
+          <a:lnRef idx="2">
+            <a:schemeClr val="accent1"/>
+          </a:lnRef>
+          <a:fillRef idx="0">
+            <a:schemeClr val="accent1"/>
+          </a:fillRef>
+          <a:effectRef idx="1">
+            <a:schemeClr val="accent1"/>
+          </a:effectRef>
+          <a:fontRef idx="minor">
+            <a:schemeClr val="tx1"/>
+          </a:fontRef>
+        </p:style>
+      </p:cxnSp>
+      <p:sp>
+        <p:nvSpPr>
+          <p:cNvPr id="11" name="円/楕円 10"/>
+          <p:cNvSpPr/>
+          <p:nvPr/>
+        </p:nvSpPr>
+        <p:spPr>
+          <a:xfrm>
+            <a:off x="1206500" y="977201"/>
+            <a:ext cx="1413933" cy="1439333"/>
+          </a:xfrm>
+          <a:prstGeom prst="ellipse">
+            <a:avLst/>
+          </a:prstGeom>
+          <a:noFill/>
+          <a:ln>
+            <a:prstDash val="dash"/>
+          </a:ln>
+        </p:spPr>
+        <p:style>
+          <a:lnRef idx="1">
+            <a:schemeClr val="accent1"/>
+          </a:lnRef>
+          <a:fillRef idx="3">
+            <a:schemeClr val="accent1"/>
+          </a:fillRef>
+          <a:effectRef idx="2">
+            <a:schemeClr val="accent1"/>
+          </a:effectRef>
+          <a:fontRef idx="minor">
+            <a:schemeClr val="lt1"/>
+          </a:fontRef>
+        </p:style>
+        <p:txBody>
+          <a:bodyPr rtlCol="0" anchor="ctr"/>
+          <a:lstStyle/>
+          <a:p>
+            <a:pPr algn="ctr"/>
+            <a:endParaRPr kumimoji="1" lang="ja-JP" altLang="en-US"/>
+          </a:p>
+        </p:txBody>
+      </p:sp>
+      <p:cxnSp>
+        <p:nvCxnSpPr>
+          <p:cNvPr id="13" name="直線矢印コネクタ 12"/>
+          <p:cNvCxnSpPr/>
+          <p:nvPr/>
+        </p:nvCxnSpPr>
+        <p:spPr>
+          <a:xfrm>
+            <a:off x="1303867" y="1312343"/>
+            <a:ext cx="609600" cy="384525"/>
+          </a:xfrm>
+          <a:prstGeom prst="straightConnector1">
+            <a:avLst/>
+          </a:prstGeom>
+          <a:ln>
+            <a:tailEnd type="arrow"/>
+          </a:ln>
+        </p:spPr>
+        <p:style>
+          <a:lnRef idx="2">
+            <a:schemeClr val="accent1"/>
+          </a:lnRef>
+          <a:fillRef idx="0">
+            <a:schemeClr val="accent1"/>
+          </a:fillRef>
+          <a:effectRef idx="1">
+            <a:schemeClr val="accent1"/>
+          </a:effectRef>
+          <a:fontRef idx="minor">
+            <a:schemeClr val="tx1"/>
+          </a:fontRef>
+        </p:style>
+      </p:cxnSp>
+      <p:cxnSp>
+        <p:nvCxnSpPr>
+          <p:cNvPr id="14" name="直線矢印コネクタ 13"/>
+          <p:cNvCxnSpPr/>
+          <p:nvPr/>
+        </p:nvCxnSpPr>
+        <p:spPr>
+          <a:xfrm flipV="1">
+            <a:off x="1913467" y="1312344"/>
+            <a:ext cx="635000" cy="384524"/>
+          </a:xfrm>
+          <a:prstGeom prst="straightConnector1">
+            <a:avLst/>
+          </a:prstGeom>
+          <a:ln>
+            <a:tailEnd type="arrow"/>
+          </a:ln>
+        </p:spPr>
+        <p:style>
+          <a:lnRef idx="2">
+            <a:schemeClr val="accent1"/>
+          </a:lnRef>
+          <a:fillRef idx="0">
+            <a:schemeClr val="accent1"/>
+          </a:fillRef>
+          <a:effectRef idx="1">
+            <a:schemeClr val="accent1"/>
+          </a:effectRef>
+          <a:fontRef idx="minor">
+            <a:schemeClr val="tx1"/>
+          </a:fontRef>
+        </p:style>
+      </p:cxnSp>
+      <p:sp>
+        <p:nvSpPr>
+          <p:cNvPr id="18" name="テキスト ボックス 17"/>
+          <p:cNvSpPr txBox="1"/>
+          <p:nvPr/>
+        </p:nvSpPr>
+        <p:spPr>
+          <a:xfrm>
+            <a:off x="3119856" y="1512202"/>
+            <a:ext cx="360553" cy="369332"/>
+          </a:xfrm>
+          <a:prstGeom prst="rect">
+            <a:avLst/>
+          </a:prstGeom>
+          <a:noFill/>
+        </p:spPr>
+        <p:txBody>
+          <a:bodyPr wrap="none" rtlCol="0">
+            <a:spAutoFit/>
+          </a:bodyPr>
+          <a:lstStyle/>
+          <a:p>
+            <a:r>
+              <a:rPr kumimoji="1" lang="en-US" altLang="ja-JP" i="1" dirty="0" smtClean="0">
+                <a:latin typeface="Bell MT"/>
+                <a:cs typeface="Bell MT"/>
+              </a:rPr>
+              <a:t>x</a:t>
+            </a:r>
+            <a:endParaRPr kumimoji="1" lang="ja-JP" altLang="en-US" i="1" dirty="0">
+              <a:latin typeface="Bell MT"/>
+              <a:cs typeface="Bell MT"/>
+            </a:endParaRPr>
+          </a:p>
+        </p:txBody>
+      </p:sp>
+      <p:sp>
+        <p:nvSpPr>
+          <p:cNvPr id="19" name="テキスト ボックス 18"/>
+          <p:cNvSpPr txBox="1"/>
+          <p:nvPr/>
+        </p:nvSpPr>
+        <p:spPr>
+          <a:xfrm>
+            <a:off x="1733190" y="237076"/>
+            <a:ext cx="344966" cy="369332"/>
+          </a:xfrm>
+          <a:prstGeom prst="rect">
+            <a:avLst/>
+          </a:prstGeom>
+          <a:noFill/>
+        </p:spPr>
+        <p:txBody>
+          <a:bodyPr wrap="none" rtlCol="0">
+            <a:spAutoFit/>
+          </a:bodyPr>
+          <a:lstStyle/>
+          <a:p>
+            <a:r>
+              <a:rPr kumimoji="1" lang="en-US" altLang="ja-JP" i="1" dirty="0" smtClean="0">
+                <a:latin typeface="Bell MT"/>
+                <a:cs typeface="Bell MT"/>
+              </a:rPr>
+              <a:t>y</a:t>
+            </a:r>
+            <a:endParaRPr kumimoji="1" lang="ja-JP" altLang="en-US" i="1" dirty="0">
+              <a:latin typeface="Bell MT"/>
+              <a:cs typeface="Bell MT"/>
+            </a:endParaRPr>
+          </a:p>
+        </p:txBody>
+      </p:sp>
+      <p:sp>
+        <p:nvSpPr>
+          <p:cNvPr id="20" name="テキスト ボックス 19"/>
+          <p:cNvSpPr txBox="1"/>
+          <p:nvPr/>
+        </p:nvSpPr>
+        <p:spPr>
+          <a:xfrm>
+            <a:off x="1034017" y="1066809"/>
+            <a:ext cx="380001" cy="369332"/>
+          </a:xfrm>
+          <a:prstGeom prst="rect">
+            <a:avLst/>
+          </a:prstGeom>
+          <a:noFill/>
+        </p:spPr>
+        <p:txBody>
+          <a:bodyPr wrap="none" rtlCol="0">
+            <a:spAutoFit/>
+          </a:bodyPr>
+          <a:lstStyle/>
+          <a:p>
+            <a:r>
+              <a:rPr kumimoji="1" lang="en-US" altLang="ja-JP" b="1" i="1" dirty="0" smtClean="0">
+                <a:solidFill>
+                  <a:schemeClr val="tx2"/>
+                </a:solidFill>
+                <a:latin typeface="Bookman Old Style"/>
+                <a:cs typeface="Bookman Old Style"/>
+              </a:rPr>
+              <a:t>e</a:t>
+            </a:r>
+            <a:endParaRPr kumimoji="1" lang="ja-JP" altLang="en-US" b="1" i="1" dirty="0">
+              <a:solidFill>
+                <a:schemeClr val="tx2"/>
+              </a:solidFill>
+              <a:latin typeface="Bookman Old Style"/>
+              <a:cs typeface="Bookman Old Style"/>
+            </a:endParaRPr>
+          </a:p>
+        </p:txBody>
+      </p:sp>
+      <p:sp>
+        <p:nvSpPr>
+          <p:cNvPr id="21" name="テキスト ボックス 20"/>
+          <p:cNvSpPr txBox="1"/>
+          <p:nvPr/>
+        </p:nvSpPr>
+        <p:spPr>
+          <a:xfrm>
+            <a:off x="2548467" y="1076886"/>
+            <a:ext cx="435182" cy="369332"/>
+          </a:xfrm>
+          <a:prstGeom prst="rect">
+            <a:avLst/>
+          </a:prstGeom>
+          <a:noFill/>
+        </p:spPr>
+        <p:txBody>
+          <a:bodyPr wrap="none" rtlCol="0">
+            <a:spAutoFit/>
+          </a:bodyPr>
+          <a:lstStyle/>
+          <a:p>
+            <a:r>
+              <a:rPr kumimoji="1" lang="en-US" altLang="ja-JP" b="1" i="1" dirty="0" err="1" smtClean="0">
+                <a:solidFill>
+                  <a:schemeClr val="tx2"/>
+                </a:solidFill>
+                <a:latin typeface="Bookman Old Style"/>
+                <a:cs typeface="Bookman Old Style"/>
+              </a:rPr>
+              <a:t>v</a:t>
+            </a:r>
+            <a:r>
+              <a:rPr kumimoji="1" lang="en-US" altLang="ja-JP" b="1" i="1" baseline="-25000" dirty="0" err="1" smtClean="0">
+                <a:solidFill>
+                  <a:schemeClr val="tx2"/>
+                </a:solidFill>
+                <a:latin typeface="Bookman Old Style"/>
+                <a:cs typeface="Bookman Old Style"/>
+              </a:rPr>
+              <a:t>r</a:t>
+            </a:r>
+            <a:endParaRPr kumimoji="1" lang="ja-JP" altLang="en-US" b="1" i="1" baseline="-25000" dirty="0">
+              <a:solidFill>
+                <a:schemeClr val="tx2"/>
+              </a:solidFill>
+              <a:latin typeface="Bookman Old Style"/>
+              <a:cs typeface="Bookman Old Style"/>
+            </a:endParaRPr>
+          </a:p>
+        </p:txBody>
+      </p:sp>
+      <p:cxnSp>
+        <p:nvCxnSpPr>
+          <p:cNvPr id="22" name="直線矢印コネクタ 21"/>
+          <p:cNvCxnSpPr>
+            <a:endCxn id="11" idx="0"/>
+          </p:cNvCxnSpPr>
+          <p:nvPr/>
+        </p:nvCxnSpPr>
+        <p:spPr>
+          <a:xfrm flipV="1">
+            <a:off x="1913467" y="977201"/>
+            <a:ext cx="0" cy="719667"/>
+          </a:xfrm>
+          <a:prstGeom prst="straightConnector1">
+            <a:avLst/>
+          </a:prstGeom>
+          <a:ln>
+            <a:tailEnd type="arrow"/>
+          </a:ln>
+        </p:spPr>
+        <p:style>
+          <a:lnRef idx="2">
+            <a:schemeClr val="accent1"/>
+          </a:lnRef>
+          <a:fillRef idx="0">
+            <a:schemeClr val="accent1"/>
+          </a:fillRef>
+          <a:effectRef idx="1">
+            <a:schemeClr val="accent1"/>
+          </a:effectRef>
+          <a:fontRef idx="minor">
+            <a:schemeClr val="tx1"/>
+          </a:fontRef>
+        </p:style>
+      </p:cxnSp>
+      <p:sp>
+        <p:nvSpPr>
+          <p:cNvPr id="25" name="テキスト ボックス 24"/>
+          <p:cNvSpPr txBox="1"/>
+          <p:nvPr/>
+        </p:nvSpPr>
+        <p:spPr>
+          <a:xfrm>
+            <a:off x="1888155" y="716030"/>
+            <a:ext cx="407728" cy="369332"/>
+          </a:xfrm>
+          <a:prstGeom prst="rect">
+            <a:avLst/>
+          </a:prstGeom>
+          <a:noFill/>
+        </p:spPr>
+        <p:txBody>
+          <a:bodyPr wrap="none" rtlCol="0">
+            <a:spAutoFit/>
+          </a:bodyPr>
+          <a:lstStyle/>
+          <a:p>
+            <a:r>
+              <a:rPr lang="en-US" altLang="ja-JP" b="1" i="1" dirty="0">
+                <a:solidFill>
+                  <a:schemeClr val="tx2"/>
+                </a:solidFill>
+                <a:latin typeface="Bookman Old Style"/>
+                <a:cs typeface="Bookman Old Style"/>
+              </a:rPr>
+              <a:t>n</a:t>
+            </a:r>
+            <a:endParaRPr kumimoji="1" lang="ja-JP" altLang="en-US" b="1" i="1" dirty="0">
+              <a:solidFill>
+                <a:schemeClr val="tx2"/>
+              </a:solidFill>
+              <a:latin typeface="Bookman Old Style"/>
+              <a:cs typeface="Bookman Old Style"/>
+            </a:endParaRPr>
+          </a:p>
+        </p:txBody>
+      </p:sp>
+      <p:sp>
+        <p:nvSpPr>
+          <p:cNvPr id="26" name="テキスト ボックス 25"/>
+          <p:cNvSpPr txBox="1"/>
+          <p:nvPr/>
+        </p:nvSpPr>
+        <p:spPr>
+          <a:xfrm>
+            <a:off x="1600315" y="1279480"/>
+            <a:ext cx="364202" cy="307777"/>
+          </a:xfrm>
+          <a:prstGeom prst="rect">
+            <a:avLst/>
+          </a:prstGeom>
+          <a:noFill/>
+        </p:spPr>
+        <p:txBody>
+          <a:bodyPr wrap="none" rtlCol="0">
+            <a:spAutoFit/>
+          </a:bodyPr>
+          <a:lstStyle/>
+          <a:p>
+            <a:r>
+              <a:rPr kumimoji="1" lang="en-US" altLang="ja-JP" sz="1400" b="1" dirty="0" err="1" smtClean="0">
+                <a:solidFill>
+                  <a:srgbClr val="1F497D"/>
+                </a:solidFill>
+                <a:latin typeface="Bookman Old Style"/>
+                <a:cs typeface="Bookman Old Style"/>
+              </a:rPr>
+              <a:t>θ</a:t>
+            </a:r>
+            <a:endParaRPr kumimoji="1" lang="ja-JP" altLang="en-US" sz="1400" b="1" dirty="0">
+              <a:solidFill>
+                <a:srgbClr val="1F497D"/>
+              </a:solidFill>
+              <a:latin typeface="Bookman Old Style"/>
+              <a:cs typeface="Bookman Old Style"/>
+            </a:endParaRPr>
+          </a:p>
+        </p:txBody>
+      </p:sp>
+      <p:cxnSp>
+        <p:nvCxnSpPr>
+          <p:cNvPr id="27" name="直線矢印コネクタ 26"/>
+          <p:cNvCxnSpPr/>
+          <p:nvPr/>
+        </p:nvCxnSpPr>
+        <p:spPr>
+          <a:xfrm>
+            <a:off x="1913467" y="1696868"/>
+            <a:ext cx="382416" cy="656865"/>
+          </a:xfrm>
+          <a:prstGeom prst="straightConnector1">
+            <a:avLst/>
+          </a:prstGeom>
+          <a:ln>
+            <a:tailEnd type="arrow"/>
+          </a:ln>
+        </p:spPr>
+        <p:style>
+          <a:lnRef idx="2">
+            <a:schemeClr val="accent1"/>
+          </a:lnRef>
+          <a:fillRef idx="0">
+            <a:schemeClr val="accent1"/>
+          </a:fillRef>
+          <a:effectRef idx="1">
+            <a:schemeClr val="accent1"/>
+          </a:effectRef>
+          <a:fontRef idx="minor">
+            <a:schemeClr val="tx1"/>
+          </a:fontRef>
+        </p:style>
+      </p:cxnSp>
+      <p:sp>
+        <p:nvSpPr>
+          <p:cNvPr id="31" name="テキスト ボックス 30"/>
+          <p:cNvSpPr txBox="1"/>
+          <p:nvPr/>
+        </p:nvSpPr>
+        <p:spPr>
+          <a:xfrm>
+            <a:off x="2185251" y="2231868"/>
+            <a:ext cx="425940" cy="369332"/>
+          </a:xfrm>
+          <a:prstGeom prst="rect">
+            <a:avLst/>
+          </a:prstGeom>
+          <a:noFill/>
+        </p:spPr>
+        <p:txBody>
+          <a:bodyPr wrap="none" rtlCol="0">
+            <a:spAutoFit/>
+          </a:bodyPr>
+          <a:lstStyle/>
+          <a:p>
+            <a:r>
+              <a:rPr kumimoji="1" lang="en-US" altLang="ja-JP" b="1" i="1" dirty="0" err="1" smtClean="0">
+                <a:solidFill>
+                  <a:schemeClr val="tx2"/>
+                </a:solidFill>
+                <a:latin typeface="Bookman Old Style"/>
+                <a:cs typeface="Bookman Old Style"/>
+              </a:rPr>
+              <a:t>v</a:t>
+            </a:r>
+            <a:r>
+              <a:rPr kumimoji="1" lang="en-US" altLang="ja-JP" b="1" i="1" baseline="-25000" dirty="0" err="1" smtClean="0">
+                <a:solidFill>
+                  <a:schemeClr val="tx2"/>
+                </a:solidFill>
+                <a:latin typeface="Bookman Old Style"/>
+                <a:cs typeface="Bookman Old Style"/>
+              </a:rPr>
+              <a:t>t</a:t>
+            </a:r>
+            <a:endParaRPr kumimoji="1" lang="ja-JP" altLang="en-US" b="1" i="1" baseline="-25000" dirty="0">
+              <a:solidFill>
+                <a:schemeClr val="tx2"/>
+              </a:solidFill>
+              <a:latin typeface="Bookman Old Style"/>
+              <a:cs typeface="Bookman Old Style"/>
+            </a:endParaRPr>
+          </a:p>
+        </p:txBody>
+      </p:sp>
+      <p:sp>
+        <p:nvSpPr>
+          <p:cNvPr id="32" name="テキスト ボックス 31"/>
+          <p:cNvSpPr txBox="1"/>
+          <p:nvPr/>
+        </p:nvSpPr>
+        <p:spPr>
+          <a:xfrm>
+            <a:off x="1854325" y="1984401"/>
+            <a:ext cx="364202" cy="307777"/>
+          </a:xfrm>
+          <a:prstGeom prst="rect">
+            <a:avLst/>
+          </a:prstGeom>
+          <a:noFill/>
+        </p:spPr>
+        <p:txBody>
+          <a:bodyPr wrap="none" rtlCol="0">
+            <a:spAutoFit/>
+          </a:bodyPr>
+          <a:lstStyle/>
+          <a:p>
+            <a:r>
+              <a:rPr kumimoji="1" lang="en-US" altLang="ja-JP" sz="1400" b="1" dirty="0" err="1" smtClean="0">
+                <a:solidFill>
+                  <a:srgbClr val="1F497D"/>
+                </a:solidFill>
+                <a:latin typeface="Bookman Old Style"/>
+                <a:cs typeface="Bookman Old Style"/>
+              </a:rPr>
+              <a:t>φ</a:t>
+            </a:r>
+            <a:endParaRPr kumimoji="1" lang="ja-JP" altLang="en-US" sz="1400" b="1" dirty="0">
+              <a:solidFill>
+                <a:srgbClr val="1F497D"/>
+              </a:solidFill>
+              <a:latin typeface="Bookman Old Style"/>
+              <a:cs typeface="Bookman Old Style"/>
+            </a:endParaRPr>
+          </a:p>
+        </p:txBody>
+      </p:sp>
+      <p:sp>
+        <p:nvSpPr>
+          <p:cNvPr id="33" name="テキスト ボックス 32"/>
+          <p:cNvSpPr txBox="1"/>
+          <p:nvPr/>
+        </p:nvSpPr>
+        <p:spPr>
+          <a:xfrm>
+            <a:off x="1054333" y="2324201"/>
+            <a:ext cx="588022" cy="276999"/>
+          </a:xfrm>
+          <a:prstGeom prst="rect">
+            <a:avLst/>
+          </a:prstGeom>
+          <a:noFill/>
+        </p:spPr>
+        <p:txBody>
+          <a:bodyPr wrap="none" rtlCol="0">
+            <a:spAutoFit/>
+          </a:bodyPr>
+          <a:lstStyle/>
+          <a:p>
+            <a:r>
+              <a:rPr kumimoji="1" lang="ja-JP" altLang="en-US" sz="1200" dirty="0" smtClean="0">
+                <a:latin typeface="メイリオ"/>
+                <a:ea typeface="メイリオ"/>
+                <a:cs typeface="メイリオ"/>
+              </a:rPr>
+              <a:t>半径</a:t>
+            </a:r>
+            <a:r>
+              <a:rPr kumimoji="1" lang="en-US" altLang="ja-JP" sz="1200" dirty="0" smtClean="0">
+                <a:latin typeface="メイリオ"/>
+                <a:ea typeface="メイリオ"/>
+                <a:cs typeface="メイリオ"/>
+              </a:rPr>
+              <a:t>1</a:t>
+            </a:r>
+            <a:endParaRPr kumimoji="1" lang="ja-JP" altLang="en-US" sz="1200" dirty="0">
+              <a:latin typeface="メイリオ"/>
+              <a:ea typeface="メイリオ"/>
+              <a:cs typeface="メイリオ"/>
+            </a:endParaRPr>
+          </a:p>
+        </p:txBody>
+      </p:sp>
+      <p:sp>
+        <p:nvSpPr>
+          <p:cNvPr id="34" name="テキスト ボックス 33"/>
+          <p:cNvSpPr txBox="1"/>
+          <p:nvPr/>
+        </p:nvSpPr>
+        <p:spPr>
+          <a:xfrm>
+            <a:off x="537244" y="1324344"/>
+            <a:ext cx="415498" cy="276999"/>
+          </a:xfrm>
+          <a:prstGeom prst="rect">
+            <a:avLst/>
+          </a:prstGeom>
+          <a:noFill/>
+        </p:spPr>
+        <p:txBody>
+          <a:bodyPr wrap="none" rtlCol="0">
+            <a:spAutoFit/>
+          </a:bodyPr>
+          <a:lstStyle/>
+          <a:p>
+            <a:r>
+              <a:rPr kumimoji="1" lang="en-US" altLang="ja-JP" sz="1200" b="1" dirty="0" smtClean="0">
+                <a:solidFill>
+                  <a:srgbClr val="1F497D"/>
+                </a:solidFill>
+                <a:latin typeface="Bookman Old Style"/>
+                <a:cs typeface="Bookman Old Style"/>
+              </a:rPr>
+              <a:t>η</a:t>
+            </a:r>
+            <a:r>
+              <a:rPr kumimoji="1" lang="en-US" altLang="ja-JP" sz="1200" b="1" baseline="-25000" dirty="0" smtClean="0">
+                <a:solidFill>
+                  <a:srgbClr val="1F497D"/>
+                </a:solidFill>
+                <a:latin typeface="Bookman Old Style"/>
+                <a:cs typeface="Bookman Old Style"/>
+              </a:rPr>
+              <a:t>1</a:t>
+            </a:r>
+            <a:endParaRPr kumimoji="1" lang="ja-JP" altLang="en-US" sz="1200" b="1" baseline="-25000" dirty="0">
+              <a:solidFill>
+                <a:srgbClr val="1F497D"/>
+              </a:solidFill>
+              <a:latin typeface="Bookman Old Style"/>
+              <a:cs typeface="Bookman Old Style"/>
+            </a:endParaRPr>
+          </a:p>
+        </p:txBody>
+      </p:sp>
+      <p:sp>
+        <p:nvSpPr>
+          <p:cNvPr id="35" name="テキスト ボックス 34"/>
+          <p:cNvSpPr txBox="1"/>
+          <p:nvPr/>
+        </p:nvSpPr>
+        <p:spPr>
+          <a:xfrm>
+            <a:off x="537244" y="1696868"/>
+            <a:ext cx="415498" cy="276999"/>
+          </a:xfrm>
+          <a:prstGeom prst="rect">
+            <a:avLst/>
+          </a:prstGeom>
+          <a:noFill/>
+        </p:spPr>
+        <p:txBody>
+          <a:bodyPr wrap="none" rtlCol="0">
+            <a:spAutoFit/>
+          </a:bodyPr>
+          <a:lstStyle/>
+          <a:p>
+            <a:r>
+              <a:rPr kumimoji="1" lang="en-US" altLang="ja-JP" sz="1200" b="1" dirty="0" smtClean="0">
+                <a:solidFill>
+                  <a:srgbClr val="1F497D"/>
+                </a:solidFill>
+                <a:latin typeface="Bookman Old Style"/>
+                <a:cs typeface="Bookman Old Style"/>
+              </a:rPr>
+              <a:t>η</a:t>
+            </a:r>
+            <a:r>
+              <a:rPr kumimoji="1" lang="en-US" altLang="ja-JP" sz="1200" b="1" baseline="-25000" dirty="0" smtClean="0">
+                <a:solidFill>
+                  <a:srgbClr val="1F497D"/>
+                </a:solidFill>
+                <a:latin typeface="Bookman Old Style"/>
+                <a:cs typeface="Bookman Old Style"/>
+              </a:rPr>
+              <a:t>2</a:t>
+            </a:r>
+            <a:endParaRPr kumimoji="1" lang="ja-JP" altLang="en-US" sz="1200" b="1" baseline="-25000" dirty="0">
+              <a:solidFill>
+                <a:srgbClr val="1F497D"/>
+              </a:solidFill>
+              <a:latin typeface="Bookman Old Style"/>
+              <a:cs typeface="Bookman Old Style"/>
+            </a:endParaRPr>
+          </a:p>
+        </p:txBody>
+      </p:sp>
+      <p:sp>
+        <p:nvSpPr>
+          <p:cNvPr id="36" name="テキスト ボックス 35"/>
+          <p:cNvSpPr txBox="1"/>
+          <p:nvPr/>
+        </p:nvSpPr>
+        <p:spPr>
+          <a:xfrm>
+            <a:off x="1854325" y="1279480"/>
+            <a:ext cx="364202" cy="307777"/>
+          </a:xfrm>
+          <a:prstGeom prst="rect">
+            <a:avLst/>
+          </a:prstGeom>
+          <a:noFill/>
+        </p:spPr>
+        <p:txBody>
+          <a:bodyPr wrap="none" rtlCol="0">
+            <a:spAutoFit/>
+          </a:bodyPr>
+          <a:lstStyle/>
+          <a:p>
+            <a:r>
+              <a:rPr kumimoji="1" lang="en-US" altLang="ja-JP" sz="1400" b="1" dirty="0" err="1" smtClean="0">
+                <a:solidFill>
+                  <a:srgbClr val="1F497D"/>
+                </a:solidFill>
+                <a:latin typeface="Bookman Old Style"/>
+                <a:cs typeface="Bookman Old Style"/>
+              </a:rPr>
+              <a:t>θ</a:t>
+            </a:r>
+            <a:endParaRPr kumimoji="1" lang="ja-JP" altLang="en-US" sz="1400" b="1" dirty="0">
+              <a:solidFill>
+                <a:srgbClr val="1F497D"/>
+              </a:solidFill>
+              <a:latin typeface="Bookman Old Style"/>
+              <a:cs typeface="Bookman Old Style"/>
+            </a:endParaRPr>
+          </a:p>
+        </p:txBody>
+      </p:sp>
+    </p:spTree>
+    <p:extLst>
+      <p:ext uri="{BB962C8B-B14F-4D97-AF65-F5344CB8AC3E}">
+        <p14:creationId xmlns:p14="http://schemas.microsoft.com/office/powerpoint/2010/main" val="3018945037"/>
       </p:ext>
     </p:extLst>
   </p:cSld>
